--- a/2025/PictureArticle/Figs/FlowChat.pptx
+++ b/2025/PictureArticle/Figs/FlowChat.pptx
@@ -8459,66 +8459,6 @@
       </p:sp>
       <p:pic>
         <p:nvPicPr>
-          <p:cNvPr id="1026" name="Рисунок 3">
-            <a:extLst>
-              <a:ext uri="{FF2B5EF4-FFF2-40B4-BE49-F238E27FC236}">
-                <a16:creationId xmlns:a16="http://schemas.microsoft.com/office/drawing/2014/main" id="{29D84927-55EB-039F-E465-B0D4189B367A}"/>
-              </a:ext>
-            </a:extLst>
-          </p:cNvPr>
-          <p:cNvPicPr>
-            <a:picLocks noChangeAspect="1" noChangeArrowheads="1"/>
-          </p:cNvPicPr>
-          <p:nvPr/>
-        </p:nvPicPr>
-        <p:blipFill>
-          <a:blip r:embed="rId2">
-            <a:extLst>
-              <a:ext uri="{28A0092B-C50C-407E-A947-70E740481C1C}">
-                <a14:useLocalDpi xmlns:a14="http://schemas.microsoft.com/office/drawing/2010/main" val="0"/>
-              </a:ext>
-            </a:extLst>
-          </a:blip>
-          <a:srcRect/>
-          <a:stretch>
-            <a:fillRect/>
-          </a:stretch>
-        </p:blipFill>
-        <p:spPr bwMode="auto">
-          <a:xfrm>
-            <a:off x="852043" y="538626"/>
-            <a:ext cx="1148411" cy="877526"/>
-          </a:xfrm>
-          <a:prstGeom prst="rect">
-            <a:avLst/>
-          </a:prstGeom>
-          <a:noFill/>
-          <a:ln>
-            <a:noFill/>
-          </a:ln>
-          <a:extLst>
-            <a:ext uri="{909E8E84-426E-40DD-AFC4-6F175D3DCCD1}">
-              <a14:hiddenFill xmlns:a14="http://schemas.microsoft.com/office/drawing/2010/main">
-                <a:solidFill>
-                  <a:srgbClr val="FFFFFF"/>
-                </a:solidFill>
-              </a14:hiddenFill>
-            </a:ext>
-            <a:ext uri="{91240B29-F687-4F45-9708-019B960494DF}">
-              <a14:hiddenLine xmlns:a14="http://schemas.microsoft.com/office/drawing/2010/main" w="9525">
-                <a:solidFill>
-                  <a:srgbClr val="000000"/>
-                </a:solidFill>
-                <a:miter lim="800000"/>
-                <a:headEnd/>
-                <a:tailEnd/>
-              </a14:hiddenLine>
-            </a:ext>
-          </a:extLst>
-        </p:spPr>
-      </p:pic>
-      <p:pic>
-        <p:nvPicPr>
           <p:cNvPr id="4" name="Рисунок 6">
             <a:extLst>
               <a:ext uri="{FF2B5EF4-FFF2-40B4-BE49-F238E27FC236}">
@@ -8532,7 +8472,7 @@
           <p:nvPr/>
         </p:nvPicPr>
         <p:blipFill>
-          <a:blip r:embed="rId3">
+          <a:blip r:embed="rId2">
             <a:extLst>
               <a:ext uri="{28A0092B-C50C-407E-A947-70E740481C1C}">
                 <a14:useLocalDpi xmlns:a14="http://schemas.microsoft.com/office/drawing/2010/main" val="0"/>
@@ -8568,7 +8508,7 @@
           <p:nvPr/>
         </p:nvPicPr>
         <p:blipFill>
-          <a:blip r:embed="rId4"/>
+          <a:blip r:embed="rId3"/>
           <a:stretch>
             <a:fillRect/>
           </a:stretch>
@@ -8598,7 +8538,7 @@
           <p:nvPr/>
         </p:nvPicPr>
         <p:blipFill>
-          <a:blip r:embed="rId5"/>
+          <a:blip r:embed="rId4"/>
           <a:stretch>
             <a:fillRect/>
           </a:stretch>
@@ -8809,7 +8749,7 @@
             <p:nvPr/>
           </p:nvPicPr>
           <p:blipFill>
-            <a:blip r:embed="rId6"/>
+            <a:blip r:embed="rId5"/>
             <a:stretch>
               <a:fillRect/>
             </a:stretch>
@@ -9383,7 +9323,7 @@
             <p:nvPr/>
           </p:nvPicPr>
           <p:blipFill>
-            <a:blip r:embed="rId7"/>
+            <a:blip r:embed="rId6"/>
             <a:stretch>
               <a:fillRect/>
             </a:stretch>
@@ -9421,12 +9361,12 @@
           <a:graphicData uri="http://schemas.openxmlformats.org/presentationml/2006/ole">
             <mc:AlternateContent xmlns:mc="http://schemas.openxmlformats.org/markup-compatibility/2006">
               <mc:Choice xmlns:v="urn:schemas-microsoft-com:vml" Requires="v">
-                <p:oleObj name="Equation" r:id="rId8" imgW="2019240" imgH="228600" progId="Equation.DSMT4">
+                <p:oleObj name="Equation" r:id="rId7" imgW="2019240" imgH="228600" progId="Equation.DSMT4">
                   <p:embed/>
                 </p:oleObj>
               </mc:Choice>
               <mc:Fallback>
-                <p:oleObj name="Equation" r:id="rId8" imgW="2019240" imgH="228600" progId="Equation.DSMT4">
+                <p:oleObj name="Equation" r:id="rId7" imgW="2019240" imgH="228600" progId="Equation.DSMT4">
                   <p:embed/>
                   <p:pic>
                     <p:nvPicPr>
@@ -9441,7 +9381,7 @@
                       <p:nvPr/>
                     </p:nvPicPr>
                     <p:blipFill>
-                      <a:blip r:embed="rId9"/>
+                      <a:blip r:embed="rId8"/>
                       <a:stretch>
                         <a:fillRect/>
                       </a:stretch>
@@ -9484,12 +9424,12 @@
           <a:graphicData uri="http://schemas.openxmlformats.org/presentationml/2006/ole">
             <mc:AlternateContent xmlns:mc="http://schemas.openxmlformats.org/markup-compatibility/2006">
               <mc:Choice xmlns:v="urn:schemas-microsoft-com:vml" Requires="v">
-                <p:oleObj name="Equation" r:id="rId10" imgW="1714320" imgH="228600" progId="Equation.DSMT4">
+                <p:oleObj name="Equation" r:id="rId9" imgW="1714320" imgH="228600" progId="Equation.DSMT4">
                   <p:embed/>
                 </p:oleObj>
               </mc:Choice>
               <mc:Fallback>
-                <p:oleObj name="Equation" r:id="rId10" imgW="1714320" imgH="228600" progId="Equation.DSMT4">
+                <p:oleObj name="Equation" r:id="rId9" imgW="1714320" imgH="228600" progId="Equation.DSMT4">
                   <p:embed/>
                   <p:pic>
                     <p:nvPicPr>
@@ -9504,7 +9444,7 @@
                       <p:nvPr/>
                     </p:nvPicPr>
                     <p:blipFill>
-                      <a:blip r:embed="rId11"/>
+                      <a:blip r:embed="rId10"/>
                       <a:stretch>
                         <a:fillRect/>
                       </a:stretch>
@@ -9547,12 +9487,12 @@
           <a:graphicData uri="http://schemas.openxmlformats.org/presentationml/2006/ole">
             <mc:AlternateContent xmlns:mc="http://schemas.openxmlformats.org/markup-compatibility/2006">
               <mc:Choice xmlns:v="urn:schemas-microsoft-com:vml" Requires="v">
-                <p:oleObj name="Equation" r:id="rId12" imgW="1358640" imgH="228600" progId="Equation.DSMT4">
+                <p:oleObj name="Equation" r:id="rId11" imgW="1358640" imgH="228600" progId="Equation.DSMT4">
                   <p:embed/>
                 </p:oleObj>
               </mc:Choice>
               <mc:Fallback>
-                <p:oleObj name="Equation" r:id="rId12" imgW="1358640" imgH="228600" progId="Equation.DSMT4">
+                <p:oleObj name="Equation" r:id="rId11" imgW="1358640" imgH="228600" progId="Equation.DSMT4">
                   <p:embed/>
                   <p:pic>
                     <p:nvPicPr>
@@ -9567,7 +9507,7 @@
                       <p:nvPr/>
                     </p:nvPicPr>
                     <p:blipFill>
-                      <a:blip r:embed="rId13"/>
+                      <a:blip r:embed="rId12"/>
                       <a:stretch>
                         <a:fillRect/>
                       </a:stretch>
@@ -9610,12 +9550,12 @@
           <a:graphicData uri="http://schemas.openxmlformats.org/presentationml/2006/ole">
             <mc:AlternateContent xmlns:mc="http://schemas.openxmlformats.org/markup-compatibility/2006">
               <mc:Choice xmlns:v="urn:schemas-microsoft-com:vml" Requires="v">
-                <p:oleObj name="Equation" r:id="rId14" imgW="1155600" imgH="228600" progId="Equation.DSMT4">
+                <p:oleObj name="Equation" r:id="rId13" imgW="1155600" imgH="228600" progId="Equation.DSMT4">
                   <p:embed/>
                 </p:oleObj>
               </mc:Choice>
               <mc:Fallback>
-                <p:oleObj name="Equation" r:id="rId14" imgW="1155600" imgH="228600" progId="Equation.DSMT4">
+                <p:oleObj name="Equation" r:id="rId13" imgW="1155600" imgH="228600" progId="Equation.DSMT4">
                   <p:embed/>
                   <p:pic>
                     <p:nvPicPr>
@@ -9630,7 +9570,7 @@
                       <p:nvPr/>
                     </p:nvPicPr>
                     <p:blipFill>
-                      <a:blip r:embed="rId15"/>
+                      <a:blip r:embed="rId14"/>
                       <a:stretch>
                         <a:fillRect/>
                       </a:stretch>
@@ -9693,12 +9633,12 @@
             <a:graphicData uri="http://schemas.openxmlformats.org/presentationml/2006/ole">
               <mc:AlternateContent xmlns:mc="http://schemas.openxmlformats.org/markup-compatibility/2006">
                 <mc:Choice xmlns:v="urn:schemas-microsoft-com:vml" Requires="v">
-                  <p:oleObj name="Equation" r:id="rId16" imgW="1143000" imgH="203040" progId="Equation.DSMT4">
+                  <p:oleObj name="Equation" r:id="rId15" imgW="1143000" imgH="203040" progId="Equation.DSMT4">
                     <p:embed/>
                   </p:oleObj>
                 </mc:Choice>
                 <mc:Fallback>
-                  <p:oleObj name="Equation" r:id="rId16" imgW="1143000" imgH="203040" progId="Equation.DSMT4">
+                  <p:oleObj name="Equation" r:id="rId15" imgW="1143000" imgH="203040" progId="Equation.DSMT4">
                     <p:embed/>
                     <p:pic>
                       <p:nvPicPr>
@@ -9713,7 +9653,7 @@
                         <p:nvPr/>
                       </p:nvPicPr>
                       <p:blipFill>
-                        <a:blip r:embed="rId17"/>
+                        <a:blip r:embed="rId16"/>
                         <a:stretch>
                           <a:fillRect/>
                         </a:stretch>
@@ -9756,12 +9696,12 @@
             <a:graphicData uri="http://schemas.openxmlformats.org/presentationml/2006/ole">
               <mc:AlternateContent xmlns:mc="http://schemas.openxmlformats.org/markup-compatibility/2006">
                 <mc:Choice xmlns:v="urn:schemas-microsoft-com:vml" Requires="v">
-                  <p:oleObj name="Equation" r:id="rId18" imgW="812520" imgH="203040" progId="Equation.DSMT4">
+                  <p:oleObj name="Equation" r:id="rId17" imgW="812520" imgH="203040" progId="Equation.DSMT4">
                     <p:embed/>
                   </p:oleObj>
                 </mc:Choice>
                 <mc:Fallback>
-                  <p:oleObj name="Equation" r:id="rId18" imgW="812520" imgH="203040" progId="Equation.DSMT4">
+                  <p:oleObj name="Equation" r:id="rId17" imgW="812520" imgH="203040" progId="Equation.DSMT4">
                     <p:embed/>
                     <p:pic>
                       <p:nvPicPr>
@@ -9776,7 +9716,7 @@
                         <p:nvPr/>
                       </p:nvPicPr>
                       <p:blipFill>
-                        <a:blip r:embed="rId19"/>
+                        <a:blip r:embed="rId18"/>
                         <a:stretch>
                           <a:fillRect/>
                         </a:stretch>
@@ -9819,12 +9759,12 @@
             <a:graphicData uri="http://schemas.openxmlformats.org/presentationml/2006/ole">
               <mc:AlternateContent xmlns:mc="http://schemas.openxmlformats.org/markup-compatibility/2006">
                 <mc:Choice xmlns:v="urn:schemas-microsoft-com:vml" Requires="v">
-                  <p:oleObj name="Equation" r:id="rId20" imgW="482400" imgH="203040" progId="Equation.DSMT4">
+                  <p:oleObj name="Equation" r:id="rId19" imgW="482400" imgH="203040" progId="Equation.DSMT4">
                     <p:embed/>
                   </p:oleObj>
                 </mc:Choice>
                 <mc:Fallback>
-                  <p:oleObj name="Equation" r:id="rId20" imgW="482400" imgH="203040" progId="Equation.DSMT4">
+                  <p:oleObj name="Equation" r:id="rId19" imgW="482400" imgH="203040" progId="Equation.DSMT4">
                     <p:embed/>
                     <p:pic>
                       <p:nvPicPr>
@@ -9839,7 +9779,7 @@
                         <p:nvPr/>
                       </p:nvPicPr>
                       <p:blipFill>
-                        <a:blip r:embed="rId21"/>
+                        <a:blip r:embed="rId20"/>
                         <a:stretch>
                           <a:fillRect/>
                         </a:stretch>
@@ -9882,12 +9822,12 @@
             <a:graphicData uri="http://schemas.openxmlformats.org/presentationml/2006/ole">
               <mc:AlternateContent xmlns:mc="http://schemas.openxmlformats.org/markup-compatibility/2006">
                 <mc:Choice xmlns:v="urn:schemas-microsoft-com:vml" Requires="v">
-                  <p:oleObj name="Equation" r:id="rId22" imgW="304560" imgH="203040" progId="Equation.DSMT4">
+                  <p:oleObj name="Equation" r:id="rId21" imgW="304560" imgH="203040" progId="Equation.DSMT4">
                     <p:embed/>
                   </p:oleObj>
                 </mc:Choice>
                 <mc:Fallback>
-                  <p:oleObj name="Equation" r:id="rId22" imgW="304560" imgH="203040" progId="Equation.DSMT4">
+                  <p:oleObj name="Equation" r:id="rId21" imgW="304560" imgH="203040" progId="Equation.DSMT4">
                     <p:embed/>
                     <p:pic>
                       <p:nvPicPr>
@@ -9902,7 +9842,7 @@
                         <p:nvPr/>
                       </p:nvPicPr>
                       <p:blipFill>
-                        <a:blip r:embed="rId23"/>
+                        <a:blip r:embed="rId22"/>
                         <a:stretch>
                           <a:fillRect/>
                         </a:stretch>
@@ -9959,7 +9899,7 @@
             <p:nvPr/>
           </p:nvPicPr>
           <p:blipFill>
-            <a:blip r:embed="rId24"/>
+            <a:blip r:embed="rId23"/>
             <a:stretch>
               <a:fillRect/>
             </a:stretch>
@@ -10411,12 +10351,12 @@
           <a:graphicData uri="http://schemas.openxmlformats.org/presentationml/2006/ole">
             <mc:AlternateContent xmlns:mc="http://schemas.openxmlformats.org/markup-compatibility/2006">
               <mc:Choice xmlns:v="urn:schemas-microsoft-com:vml" Requires="v">
-                <p:oleObj name="Equation" r:id="rId25" imgW="761760" imgH="228600" progId="Equation.DSMT4">
+                <p:oleObj name="Equation" r:id="rId24" imgW="761760" imgH="228600" progId="Equation.DSMT4">
                   <p:embed/>
                 </p:oleObj>
               </mc:Choice>
               <mc:Fallback>
-                <p:oleObj name="Equation" r:id="rId25" imgW="761760" imgH="228600" progId="Equation.DSMT4">
+                <p:oleObj name="Equation" r:id="rId24" imgW="761760" imgH="228600" progId="Equation.DSMT4">
                   <p:embed/>
                   <p:pic>
                     <p:nvPicPr>
@@ -10431,7 +10371,7 @@
                       <p:nvPr/>
                     </p:nvPicPr>
                     <p:blipFill>
-                      <a:blip r:embed="rId26"/>
+                      <a:blip r:embed="rId25"/>
                       <a:stretch>
                         <a:fillRect/>
                       </a:stretch>
@@ -11145,48 +11085,129 @@
           </a:p>
         </p:txBody>
       </p:sp>
-      <p:sp>
-        <p:nvSpPr>
-          <p:cNvPr id="48" name="TextBox 47">
-            <a:extLst>
-              <a:ext uri="{FF2B5EF4-FFF2-40B4-BE49-F238E27FC236}">
-                <a16:creationId xmlns:a16="http://schemas.microsoft.com/office/drawing/2014/main" id="{C30F606C-EC1C-D445-3BA9-0BE91F5E123C}"/>
-              </a:ext>
-            </a:extLst>
-          </p:cNvPr>
-          <p:cNvSpPr txBox="1"/>
+      <p:grpSp>
+        <p:nvGrpSpPr>
+          <p:cNvPr id="57" name="Групувати 56">
+            <a:extLst>
+              <a:ext uri="{FF2B5EF4-FFF2-40B4-BE49-F238E27FC236}">
+                <a16:creationId xmlns:a16="http://schemas.microsoft.com/office/drawing/2014/main" id="{CDDEDB7E-F7AF-1271-FBA7-E944B229F0D3}"/>
+              </a:ext>
+            </a:extLst>
+          </p:cNvPr>
+          <p:cNvGrpSpPr/>
           <p:nvPr/>
-        </p:nvSpPr>
-        <p:spPr>
+        </p:nvGrpSpPr>
+        <p:grpSpPr>
           <a:xfrm>
-            <a:off x="860748" y="760855"/>
-            <a:ext cx="1154483" cy="430887"/>
-          </a:xfrm>
-          <a:prstGeom prst="rect">
-            <a:avLst/>
-          </a:prstGeom>
-          <a:noFill/>
-        </p:spPr>
-        <p:txBody>
-          <a:bodyPr wrap="none" rtlCol="0">
-            <a:spAutoFit/>
-          </a:bodyPr>
-          <a:lstStyle/>
-          <a:p>
-            <a:r>
-              <a:rPr lang="en-US" sz="2200" b="1" dirty="0">
+            <a:off x="852043" y="538626"/>
+            <a:ext cx="1163188" cy="877526"/>
+            <a:chOff x="852043" y="538626"/>
+            <a:chExt cx="1163188" cy="877526"/>
+          </a:xfrm>
+        </p:grpSpPr>
+        <p:pic>
+          <p:nvPicPr>
+            <p:cNvPr id="1026" name="Рисунок 3">
+              <a:extLst>
+                <a:ext uri="{FF2B5EF4-FFF2-40B4-BE49-F238E27FC236}">
+                  <a16:creationId xmlns:a16="http://schemas.microsoft.com/office/drawing/2014/main" id="{29D84927-55EB-039F-E465-B0D4189B367A}"/>
+                </a:ext>
+              </a:extLst>
+            </p:cNvPr>
+            <p:cNvPicPr>
+              <a:picLocks noChangeAspect="1" noChangeArrowheads="1"/>
+            </p:cNvPicPr>
+            <p:nvPr/>
+          </p:nvPicPr>
+          <p:blipFill>
+            <a:blip r:embed="rId26">
+              <a:extLst>
+                <a:ext uri="{28A0092B-C50C-407E-A947-70E740481C1C}">
+                  <a14:useLocalDpi xmlns:a14="http://schemas.microsoft.com/office/drawing/2010/main" val="0"/>
+                </a:ext>
+              </a:extLst>
+            </a:blip>
+            <a:srcRect/>
+            <a:stretch>
+              <a:fillRect/>
+            </a:stretch>
+          </p:blipFill>
+          <p:spPr bwMode="auto">
+            <a:xfrm>
+              <a:off x="852043" y="538626"/>
+              <a:ext cx="1148411" cy="877526"/>
+            </a:xfrm>
+            <a:prstGeom prst="rect">
+              <a:avLst/>
+            </a:prstGeom>
+            <a:noFill/>
+            <a:ln>
+              <a:noFill/>
+            </a:ln>
+            <a:extLst>
+              <a:ext uri="{909E8E84-426E-40DD-AFC4-6F175D3DCCD1}">
+                <a14:hiddenFill xmlns:a14="http://schemas.microsoft.com/office/drawing/2010/main">
+                  <a:solidFill>
+                    <a:srgbClr val="FFFFFF"/>
+                  </a:solidFill>
+                </a14:hiddenFill>
+              </a:ext>
+              <a:ext uri="{91240B29-F687-4F45-9708-019B960494DF}">
+                <a14:hiddenLine xmlns:a14="http://schemas.microsoft.com/office/drawing/2010/main" w="9525">
+                  <a:solidFill>
+                    <a:srgbClr val="000000"/>
+                  </a:solidFill>
+                  <a:miter lim="800000"/>
+                  <a:headEnd/>
+                  <a:tailEnd/>
+                </a14:hiddenLine>
+              </a:ext>
+            </a:extLst>
+          </p:spPr>
+        </p:pic>
+        <p:sp>
+          <p:nvSpPr>
+            <p:cNvPr id="48" name="TextBox 47">
+              <a:extLst>
+                <a:ext uri="{FF2B5EF4-FFF2-40B4-BE49-F238E27FC236}">
+                  <a16:creationId xmlns:a16="http://schemas.microsoft.com/office/drawing/2014/main" id="{C30F606C-EC1C-D445-3BA9-0BE91F5E123C}"/>
+                </a:ext>
+              </a:extLst>
+            </p:cNvPr>
+            <p:cNvSpPr txBox="1"/>
+            <p:nvPr/>
+          </p:nvSpPr>
+          <p:spPr>
+            <a:xfrm>
+              <a:off x="860748" y="760855"/>
+              <a:ext cx="1154483" cy="430887"/>
+            </a:xfrm>
+            <a:prstGeom prst="rect">
+              <a:avLst/>
+            </a:prstGeom>
+            <a:noFill/>
+          </p:spPr>
+          <p:txBody>
+            <a:bodyPr wrap="none" rtlCol="0">
+              <a:spAutoFit/>
+            </a:bodyPr>
+            <a:lstStyle/>
+            <a:p>
+              <a:r>
+                <a:rPr lang="en-US" sz="2200" b="1" dirty="0">
+                  <a:latin typeface="Arial" panose="020B0604020202020204" pitchFamily="34" charset="0"/>
+                  <a:cs typeface="Arial" panose="020B0604020202020204" pitchFamily="34" charset="0"/>
+                </a:rPr>
+                <a:t>SCAPS</a:t>
+              </a:r>
+              <a:endParaRPr lang="uk-UA" sz="2200" b="1" dirty="0">
                 <a:latin typeface="Arial" panose="020B0604020202020204" pitchFamily="34" charset="0"/>
                 <a:cs typeface="Arial" panose="020B0604020202020204" pitchFamily="34" charset="0"/>
-              </a:rPr>
-              <a:t>SCAPS</a:t>
-            </a:r>
-            <a:endParaRPr lang="uk-UA" sz="2200" b="1" dirty="0">
-              <a:latin typeface="Arial" panose="020B0604020202020204" pitchFamily="34" charset="0"/>
-              <a:cs typeface="Arial" panose="020B0604020202020204" pitchFamily="34" charset="0"/>
-            </a:endParaRPr>
-          </a:p>
-        </p:txBody>
-      </p:sp>
+              </a:endParaRPr>
+            </a:p>
+          </p:txBody>
+        </p:sp>
+      </p:grpSp>
       <p:sp>
         <p:nvSpPr>
           <p:cNvPr id="53" name="TextBox 52">
@@ -11780,8 +11801,8 @@
         </p:blipFill>
         <p:spPr>
           <a:xfrm>
-            <a:off x="6805535" y="1045854"/>
-            <a:ext cx="2387626" cy="1598793"/>
+            <a:off x="9832497" y="2241000"/>
+            <a:ext cx="1774148" cy="1188000"/>
           </a:xfrm>
           <a:prstGeom prst="rect">
             <a:avLst/>
@@ -11816,8 +11837,402 @@
         </p:blipFill>
         <p:spPr>
           <a:xfrm>
-            <a:off x="3370544" y="1045425"/>
-            <a:ext cx="3059752" cy="1591716"/>
+            <a:off x="6469242" y="2241000"/>
+            <a:ext cx="2304000" cy="1198560"/>
+          </a:xfrm>
+          <a:prstGeom prst="rect">
+            <a:avLst/>
+          </a:prstGeom>
+          <a:effectLst>
+            <a:glow rad="63500">
+              <a:schemeClr val="accent6">
+                <a:satMod val="175000"/>
+                <a:alpha val="40000"/>
+              </a:schemeClr>
+            </a:glow>
+          </a:effectLst>
+        </p:spPr>
+      </p:pic>
+      <p:pic>
+        <p:nvPicPr>
+          <p:cNvPr id="3" name="Рисунок 2">
+            <a:extLst>
+              <a:ext uri="{FF2B5EF4-FFF2-40B4-BE49-F238E27FC236}">
+                <a16:creationId xmlns:a16="http://schemas.microsoft.com/office/drawing/2014/main" id="{8BEB4DA7-84E0-11FD-E368-4AFCF4478233}"/>
+              </a:ext>
+            </a:extLst>
+          </p:cNvPr>
+          <p:cNvPicPr>
+            <a:picLocks noChangeAspect="1"/>
+          </p:cNvPicPr>
+          <p:nvPr/>
+        </p:nvPicPr>
+        <p:blipFill>
+          <a:blip r:embed="rId4">
+            <a:extLst>
+              <a:ext uri="{28A0092B-C50C-407E-A947-70E740481C1C}">
+                <a14:useLocalDpi xmlns:a14="http://schemas.microsoft.com/office/drawing/2010/main" val="0"/>
+              </a:ext>
+            </a:extLst>
+          </a:blip>
+          <a:stretch>
+            <a:fillRect/>
+          </a:stretch>
+        </p:blipFill>
+        <p:spPr>
+          <a:xfrm>
+            <a:off x="3193982" y="3929204"/>
+            <a:ext cx="1440000" cy="1102500"/>
+          </a:xfrm>
+          <a:prstGeom prst="rect">
+            <a:avLst/>
+          </a:prstGeom>
+        </p:spPr>
+      </p:pic>
+      <p:pic>
+        <p:nvPicPr>
+          <p:cNvPr id="6" name="Рисунок 5">
+            <a:extLst>
+              <a:ext uri="{FF2B5EF4-FFF2-40B4-BE49-F238E27FC236}">
+                <a16:creationId xmlns:a16="http://schemas.microsoft.com/office/drawing/2014/main" id="{5696C70F-B58F-FDBC-F1FE-338855896994}"/>
+              </a:ext>
+            </a:extLst>
+          </p:cNvPr>
+          <p:cNvPicPr>
+            <a:picLocks noChangeAspect="1"/>
+          </p:cNvPicPr>
+          <p:nvPr/>
+        </p:nvPicPr>
+        <p:blipFill>
+          <a:blip r:embed="rId5">
+            <a:extLst>
+              <a:ext uri="{28A0092B-C50C-407E-A947-70E740481C1C}">
+                <a14:useLocalDpi xmlns:a14="http://schemas.microsoft.com/office/drawing/2010/main" val="0"/>
+              </a:ext>
+            </a:extLst>
+          </a:blip>
+          <a:stretch>
+            <a:fillRect/>
+          </a:stretch>
+        </p:blipFill>
+        <p:spPr>
+          <a:xfrm>
+            <a:off x="1608231" y="1851347"/>
+            <a:ext cx="1440000" cy="1102500"/>
+          </a:xfrm>
+          <a:prstGeom prst="rect">
+            <a:avLst/>
+          </a:prstGeom>
+        </p:spPr>
+      </p:pic>
+      <p:pic>
+        <p:nvPicPr>
+          <p:cNvPr id="7" name="Рисунок 6">
+            <a:extLst>
+              <a:ext uri="{FF2B5EF4-FFF2-40B4-BE49-F238E27FC236}">
+                <a16:creationId xmlns:a16="http://schemas.microsoft.com/office/drawing/2014/main" id="{376E36A2-930F-9698-872B-B1FA1D4A10A8}"/>
+              </a:ext>
+            </a:extLst>
+          </p:cNvPr>
+          <p:cNvPicPr>
+            <a:picLocks noChangeAspect="1"/>
+          </p:cNvPicPr>
+          <p:nvPr/>
+        </p:nvPicPr>
+        <p:blipFill>
+          <a:blip r:embed="rId6">
+            <a:extLst>
+              <a:ext uri="{28A0092B-C50C-407E-A947-70E740481C1C}">
+                <a14:useLocalDpi xmlns:a14="http://schemas.microsoft.com/office/drawing/2010/main" val="0"/>
+              </a:ext>
+            </a:extLst>
+          </a:blip>
+          <a:stretch>
+            <a:fillRect/>
+          </a:stretch>
+        </p:blipFill>
+        <p:spPr>
+          <a:xfrm>
+            <a:off x="3130608" y="5449113"/>
+            <a:ext cx="1276009" cy="928220"/>
+          </a:xfrm>
+          <a:prstGeom prst="rect">
+            <a:avLst/>
+          </a:prstGeom>
+        </p:spPr>
+      </p:pic>
+      <p:pic>
+        <p:nvPicPr>
+          <p:cNvPr id="8" name="Рисунок 9">
+            <a:extLst>
+              <a:ext uri="{FF2B5EF4-FFF2-40B4-BE49-F238E27FC236}">
+                <a16:creationId xmlns:a16="http://schemas.microsoft.com/office/drawing/2014/main" id="{7955D185-0C08-8D94-0C40-6C7D34E1EAC7}"/>
+              </a:ext>
+            </a:extLst>
+          </p:cNvPr>
+          <p:cNvPicPr>
+            <a:picLocks noChangeAspect="1"/>
+          </p:cNvPicPr>
+          <p:nvPr/>
+        </p:nvPicPr>
+        <p:blipFill>
+          <a:blip r:embed="rId7"/>
+          <a:stretch>
+            <a:fillRect/>
+          </a:stretch>
+        </p:blipFill>
+        <p:spPr>
+          <a:xfrm>
+            <a:off x="4554946" y="5697426"/>
+            <a:ext cx="507414" cy="431593"/>
+          </a:xfrm>
+          <a:prstGeom prst="rect">
+            <a:avLst/>
+          </a:prstGeom>
+        </p:spPr>
+      </p:pic>
+      <p:pic>
+        <p:nvPicPr>
+          <p:cNvPr id="1026" name="Picture 2">
+            <a:extLst>
+              <a:ext uri="{FF2B5EF4-FFF2-40B4-BE49-F238E27FC236}">
+                <a16:creationId xmlns:a16="http://schemas.microsoft.com/office/drawing/2014/main" id="{E2E07B1F-AE46-85A2-2D82-23BB1068523D}"/>
+              </a:ext>
+            </a:extLst>
+          </p:cNvPr>
+          <p:cNvPicPr>
+            <a:picLocks noChangeAspect="1" noChangeArrowheads="1"/>
+          </p:cNvPicPr>
+          <p:nvPr/>
+        </p:nvPicPr>
+        <p:blipFill>
+          <a:blip r:embed="rId8">
+            <a:extLst>
+              <a:ext uri="{28A0092B-C50C-407E-A947-70E740481C1C}">
+                <a14:useLocalDpi xmlns:a14="http://schemas.microsoft.com/office/drawing/2010/main" val="0"/>
+              </a:ext>
+            </a:extLst>
+          </a:blip>
+          <a:srcRect/>
+          <a:stretch>
+            <a:fillRect/>
+          </a:stretch>
+        </p:blipFill>
+        <p:spPr bwMode="auto">
+          <a:xfrm>
+            <a:off x="585375" y="446190"/>
+            <a:ext cx="1022856" cy="802096"/>
+          </a:xfrm>
+          <a:prstGeom prst="rect">
+            <a:avLst/>
+          </a:prstGeom>
+          <a:noFill/>
+          <a:extLst>
+            <a:ext uri="{909E8E84-426E-40DD-AFC4-6F175D3DCCD1}">
+              <a14:hiddenFill xmlns:a14="http://schemas.microsoft.com/office/drawing/2010/main">
+                <a:solidFill>
+                  <a:srgbClr val="FFFFFF"/>
+                </a:solidFill>
+              </a14:hiddenFill>
+            </a:ext>
+          </a:extLst>
+        </p:spPr>
+      </p:pic>
+      <p:grpSp>
+        <p:nvGrpSpPr>
+          <p:cNvPr id="12" name="Групувати 11">
+            <a:extLst>
+              <a:ext uri="{FF2B5EF4-FFF2-40B4-BE49-F238E27FC236}">
+                <a16:creationId xmlns:a16="http://schemas.microsoft.com/office/drawing/2014/main" id="{3633A4D1-E456-6DAA-5D2F-A71369727859}"/>
+              </a:ext>
+            </a:extLst>
+          </p:cNvPr>
+          <p:cNvGrpSpPr/>
+          <p:nvPr/>
+        </p:nvGrpSpPr>
+        <p:grpSpPr>
+          <a:xfrm>
+            <a:off x="1742285" y="565787"/>
+            <a:ext cx="1163188" cy="877526"/>
+            <a:chOff x="852043" y="538626"/>
+            <a:chExt cx="1163188" cy="877526"/>
+          </a:xfrm>
+        </p:grpSpPr>
+        <p:pic>
+          <p:nvPicPr>
+            <p:cNvPr id="13" name="Рисунок 3">
+              <a:extLst>
+                <a:ext uri="{FF2B5EF4-FFF2-40B4-BE49-F238E27FC236}">
+                  <a16:creationId xmlns:a16="http://schemas.microsoft.com/office/drawing/2014/main" id="{EA02FC96-3DBC-FE66-2617-27139FB036CA}"/>
+                </a:ext>
+              </a:extLst>
+            </p:cNvPr>
+            <p:cNvPicPr>
+              <a:picLocks noChangeAspect="1" noChangeArrowheads="1"/>
+            </p:cNvPicPr>
+            <p:nvPr/>
+          </p:nvPicPr>
+          <p:blipFill>
+            <a:blip r:embed="rId9">
+              <a:extLst>
+                <a:ext uri="{28A0092B-C50C-407E-A947-70E740481C1C}">
+                  <a14:useLocalDpi xmlns:a14="http://schemas.microsoft.com/office/drawing/2010/main" val="0"/>
+                </a:ext>
+              </a:extLst>
+            </a:blip>
+            <a:srcRect/>
+            <a:stretch>
+              <a:fillRect/>
+            </a:stretch>
+          </p:blipFill>
+          <p:spPr bwMode="auto">
+            <a:xfrm>
+              <a:off x="852043" y="538626"/>
+              <a:ext cx="1148411" cy="877526"/>
+            </a:xfrm>
+            <a:prstGeom prst="rect">
+              <a:avLst/>
+            </a:prstGeom>
+            <a:noFill/>
+            <a:ln>
+              <a:noFill/>
+            </a:ln>
+            <a:extLst>
+              <a:ext uri="{909E8E84-426E-40DD-AFC4-6F175D3DCCD1}">
+                <a14:hiddenFill xmlns:a14="http://schemas.microsoft.com/office/drawing/2010/main">
+                  <a:solidFill>
+                    <a:srgbClr val="FFFFFF"/>
+                  </a:solidFill>
+                </a14:hiddenFill>
+              </a:ext>
+              <a:ext uri="{91240B29-F687-4F45-9708-019B960494DF}">
+                <a14:hiddenLine xmlns:a14="http://schemas.microsoft.com/office/drawing/2010/main" w="9525">
+                  <a:solidFill>
+                    <a:srgbClr val="000000"/>
+                  </a:solidFill>
+                  <a:miter lim="800000"/>
+                  <a:headEnd/>
+                  <a:tailEnd/>
+                </a14:hiddenLine>
+              </a:ext>
+            </a:extLst>
+          </p:spPr>
+        </p:pic>
+        <p:sp>
+          <p:nvSpPr>
+            <p:cNvPr id="14" name="TextBox 13">
+              <a:extLst>
+                <a:ext uri="{FF2B5EF4-FFF2-40B4-BE49-F238E27FC236}">
+                  <a16:creationId xmlns:a16="http://schemas.microsoft.com/office/drawing/2014/main" id="{84592114-81C2-5473-5CA0-58E1EB5665EA}"/>
+                </a:ext>
+              </a:extLst>
+            </p:cNvPr>
+            <p:cNvSpPr txBox="1"/>
+            <p:nvPr/>
+          </p:nvSpPr>
+          <p:spPr>
+            <a:xfrm>
+              <a:off x="860748" y="760855"/>
+              <a:ext cx="1154483" cy="430887"/>
+            </a:xfrm>
+            <a:prstGeom prst="rect">
+              <a:avLst/>
+            </a:prstGeom>
+            <a:noFill/>
+          </p:spPr>
+          <p:txBody>
+            <a:bodyPr wrap="none" rtlCol="0">
+              <a:spAutoFit/>
+            </a:bodyPr>
+            <a:lstStyle/>
+            <a:p>
+              <a:r>
+                <a:rPr lang="en-US" sz="2200" b="1" dirty="0">
+                  <a:latin typeface="Arial" panose="020B0604020202020204" pitchFamily="34" charset="0"/>
+                  <a:cs typeface="Arial" panose="020B0604020202020204" pitchFamily="34" charset="0"/>
+                </a:rPr>
+                <a:t>SCAPS</a:t>
+              </a:r>
+              <a:endParaRPr lang="uk-UA" sz="2200" b="1" dirty="0">
+                <a:latin typeface="Arial" panose="020B0604020202020204" pitchFamily="34" charset="0"/>
+                <a:cs typeface="Arial" panose="020B0604020202020204" pitchFamily="34" charset="0"/>
+              </a:endParaRPr>
+            </a:p>
+          </p:txBody>
+        </p:sp>
+      </p:grpSp>
+      <p:sp>
+        <p:nvSpPr>
+          <p:cNvPr id="15" name="Прямокутник: округлені кути 14">
+            <a:extLst>
+              <a:ext uri="{FF2B5EF4-FFF2-40B4-BE49-F238E27FC236}">
+                <a16:creationId xmlns:a16="http://schemas.microsoft.com/office/drawing/2014/main" id="{B02F8614-3848-93A9-53CC-92E3D4F2BF10}"/>
+              </a:ext>
+            </a:extLst>
+          </p:cNvPr>
+          <p:cNvSpPr/>
+          <p:nvPr/>
+        </p:nvSpPr>
+        <p:spPr>
+          <a:xfrm>
+            <a:off x="4406617" y="1922054"/>
+            <a:ext cx="1276009" cy="1264766"/>
+          </a:xfrm>
+          <a:prstGeom prst="roundRect">
+            <a:avLst/>
+          </a:prstGeom>
+          <a:noFill/>
+          <a:ln w="28575"/>
+        </p:spPr>
+        <p:style>
+          <a:lnRef idx="2">
+            <a:schemeClr val="accent1">
+              <a:shade val="15000"/>
+            </a:schemeClr>
+          </a:lnRef>
+          <a:fillRef idx="1">
+            <a:schemeClr val="accent1"/>
+          </a:fillRef>
+          <a:effectRef idx="0">
+            <a:schemeClr val="accent1"/>
+          </a:effectRef>
+          <a:fontRef idx="minor">
+            <a:schemeClr val="lt1"/>
+          </a:fontRef>
+        </p:style>
+        <p:txBody>
+          <a:bodyPr rtlCol="0" anchor="ctr"/>
+          <a:lstStyle/>
+          <a:p>
+            <a:pPr algn="ctr"/>
+            <a:endParaRPr lang="uk-UA"/>
+          </a:p>
+        </p:txBody>
+      </p:sp>
+      <p:pic>
+        <p:nvPicPr>
+          <p:cNvPr id="16" name="Рисунок 15">
+            <a:extLst>
+              <a:ext uri="{FF2B5EF4-FFF2-40B4-BE49-F238E27FC236}">
+                <a16:creationId xmlns:a16="http://schemas.microsoft.com/office/drawing/2014/main" id="{20355F62-A02F-C6D0-6722-2886B73D5D1D}"/>
+              </a:ext>
+            </a:extLst>
+          </p:cNvPr>
+          <p:cNvPicPr>
+            <a:picLocks noChangeAspect="1"/>
+          </p:cNvPicPr>
+          <p:nvPr/>
+        </p:nvPicPr>
+        <p:blipFill>
+          <a:blip r:embed="rId10"/>
+          <a:stretch>
+            <a:fillRect/>
+          </a:stretch>
+        </p:blipFill>
+        <p:spPr>
+          <a:xfrm>
+            <a:off x="5062360" y="3766242"/>
+            <a:ext cx="1841931" cy="1534942"/>
           </a:xfrm>
           <a:prstGeom prst="rect">
             <a:avLst/>
